--- a/PRESENTATION.pptx
+++ b/PRESENTATION.pptx
@@ -11,6 +11,9 @@
     <p:sldId id="260" r:id="rId5"/>
     <p:sldId id="259" r:id="rId6"/>
     <p:sldId id="261" r:id="rId7"/>
+    <p:sldId id="262" r:id="rId8"/>
+    <p:sldId id="263" r:id="rId9"/>
+    <p:sldId id="264" r:id="rId10"/>
   </p:sldIdLst>
   <p:sldSz cx="12192000" cy="6858000"/>
   <p:notesSz cx="6858000" cy="9144000"/>
@@ -109,6 +112,11 @@
       </a:defRPr>
     </a:lvl9pPr>
   </p:defaultTextStyle>
+  <p:extLst>
+    <p:ext uri="{EFAFB233-063F-42B5-8137-9DF3F51BA10A}">
+      <p15:sldGuideLst xmlns:p15="http://schemas.microsoft.com/office/powerpoint/2012/main"/>
+    </p:ext>
+  </p:extLst>
 </p:presentation>
 </file>
 
@@ -4395,25 +4403,30 @@
           </a:p>
         </p:txBody>
       </p:sp>
-      <p:sp>
-        <p:nvSpPr>
-          <p:cNvPr id="3" name="Content Placeholder 2"/>
-          <p:cNvSpPr>
-            <a:spLocks noGrp="1"/>
-          </p:cNvSpPr>
-          <p:nvPr>
-            <p:ph idx="1"/>
-          </p:nvPr>
-        </p:nvSpPr>
-        <p:spPr/>
-        <p:txBody>
-          <a:bodyPr/>
-          <a:lstStyle/>
-          <a:p>
-            <a:endParaRPr lang="en-US" dirty="0"/>
-          </a:p>
-        </p:txBody>
-      </p:sp>
+      <p:pic>
+        <p:nvPicPr>
+          <p:cNvPr id="4" name="Picture 3"/>
+          <p:cNvPicPr>
+            <a:picLocks noChangeAspect="1"/>
+          </p:cNvPicPr>
+          <p:nvPr/>
+        </p:nvPicPr>
+        <p:blipFill>
+          <a:blip r:embed="rId2"/>
+          <a:stretch>
+            <a:fillRect/>
+          </a:stretch>
+        </p:blipFill>
+        <p:spPr>
+          <a:xfrm>
+            <a:off x="3237471" y="925419"/>
+            <a:ext cx="8668522" cy="4364946"/>
+          </a:xfrm>
+          <a:prstGeom prst="rect">
+            <a:avLst/>
+          </a:prstGeom>
+        </p:spPr>
+      </p:pic>
     </p:spTree>
     <p:extLst>
       <p:ext uri="{BB962C8B-B14F-4D97-AF65-F5344CB8AC3E}">
@@ -4529,8 +4542,17 @@
           <a:p>
             <a:r>
               <a:rPr lang="en-US" dirty="0" smtClean="0"/>
-              <a:t>Inventory : Used to store a count for each item. Provides an interface to keep these counts valid.</a:t>
-            </a:r>
+              <a:t>Inventory : Used to store a count for each item. Provides an interface to keep these counts valid</a:t>
+            </a:r>
+            <a:r>
+              <a:rPr lang="en-US" dirty="0" smtClean="0"/>
+              <a:t>. </a:t>
+            </a:r>
+            <a:r>
+              <a:rPr lang="en-US" dirty="0" smtClean="0"/>
+              <a:t>Is the base class of Player and Town.</a:t>
+            </a:r>
+            <a:endParaRPr lang="en-US" dirty="0" smtClean="0"/>
           </a:p>
           <a:p>
             <a:r>
@@ -4681,8 +4703,8 @@
           <a:p>
             <a:pPr lvl="1"/>
             <a:r>
-              <a:rPr lang="en-US" dirty="0"/>
-              <a:t>Has an </a:t>
+              <a:rPr lang="en-US" dirty="0" smtClean="0"/>
+              <a:t>Is an </a:t>
             </a:r>
             <a:r>
               <a:rPr lang="en-US" u="sng" dirty="0"/>
@@ -4722,35 +4744,26 @@
             <a:pPr lvl="1"/>
             <a:r>
               <a:rPr lang="en-US" dirty="0" smtClean="0"/>
-              <a:t>Has an </a:t>
+              <a:t>Is </a:t>
+            </a:r>
+            <a:r>
+              <a:rPr lang="en-US" dirty="0" smtClean="0"/>
+              <a:t>an </a:t>
             </a:r>
             <a:r>
               <a:rPr lang="en-US" u="sng" dirty="0" smtClean="0"/>
               <a:t>Inventory</a:t>
             </a:r>
-            <a:endParaRPr lang="en-US" dirty="0" smtClean="0"/>
           </a:p>
           <a:p>
             <a:pPr lvl="1"/>
             <a:r>
               <a:rPr lang="en-US" dirty="0" smtClean="0"/>
-              <a:t>Has a collection of </a:t>
-            </a:r>
-            <a:r>
-              <a:rPr lang="en-US" u="sng" dirty="0" smtClean="0"/>
-              <a:t>Item</a:t>
-            </a:r>
-            <a:r>
-              <a:rPr lang="en-US" dirty="0"/>
-              <a:t>s</a:t>
-            </a:r>
-            <a:endParaRPr lang="en-US" u="sng" dirty="0" smtClean="0"/>
-          </a:p>
-          <a:p>
-            <a:pPr lvl="1"/>
-            <a:r>
-              <a:rPr lang="en-US" dirty="0" smtClean="0"/>
-              <a:t>Has a mapping from </a:t>
+              <a:t>Has </a:t>
+            </a:r>
+            <a:r>
+              <a:rPr lang="en-US" dirty="0" smtClean="0"/>
+              <a:t>a mapping from </a:t>
             </a:r>
             <a:r>
               <a:rPr lang="en-US" u="sng" dirty="0" smtClean="0"/>
@@ -4906,6 +4919,334 @@
     <p:extLst>
       <p:ext uri="{BB962C8B-B14F-4D97-AF65-F5344CB8AC3E}">
         <p14:creationId xmlns:p14="http://schemas.microsoft.com/office/powerpoint/2010/main" val="1165239984"/>
+      </p:ext>
+    </p:extLst>
+  </p:cSld>
+  <p:clrMapOvr>
+    <a:masterClrMapping/>
+  </p:clrMapOvr>
+</p:sld>
+</file>
+
+<file path=ppt/slides/slide7.xml><?xml version="1.0" encoding="utf-8"?>
+<p:sld xmlns:a="http://schemas.openxmlformats.org/drawingml/2006/main" xmlns:r="http://schemas.openxmlformats.org/officeDocument/2006/relationships" xmlns:p="http://schemas.openxmlformats.org/presentationml/2006/main">
+  <p:cSld>
+    <p:spTree>
+      <p:nvGrpSpPr>
+        <p:cNvPr id="1" name=""/>
+        <p:cNvGrpSpPr/>
+        <p:nvPr/>
+      </p:nvGrpSpPr>
+      <p:grpSpPr>
+        <a:xfrm>
+          <a:off x="0" y="0"/>
+          <a:ext cx="0" cy="0"/>
+          <a:chOff x="0" y="0"/>
+          <a:chExt cx="0" cy="0"/>
+        </a:xfrm>
+      </p:grpSpPr>
+      <p:sp>
+        <p:nvSpPr>
+          <p:cNvPr id="2" name="Title 1"/>
+          <p:cNvSpPr>
+            <a:spLocks noGrp="1"/>
+          </p:cNvSpPr>
+          <p:nvPr>
+            <p:ph type="title"/>
+          </p:nvPr>
+        </p:nvSpPr>
+        <p:spPr/>
+        <p:txBody>
+          <a:bodyPr/>
+          <a:lstStyle/>
+          <a:p>
+            <a:r>
+              <a:rPr lang="en-US" dirty="0" smtClean="0"/>
+              <a:t>Simulation</a:t>
+            </a:r>
+            <a:endParaRPr lang="en-US" dirty="0"/>
+          </a:p>
+        </p:txBody>
+      </p:sp>
+      <p:sp>
+        <p:nvSpPr>
+          <p:cNvPr id="3" name="Content Placeholder 2"/>
+          <p:cNvSpPr>
+            <a:spLocks noGrp="1"/>
+          </p:cNvSpPr>
+          <p:nvPr>
+            <p:ph idx="1"/>
+          </p:nvPr>
+        </p:nvSpPr>
+        <p:spPr/>
+        <p:txBody>
+          <a:bodyPr>
+            <a:normAutofit/>
+          </a:bodyPr>
+          <a:lstStyle/>
+          <a:p>
+            <a:pPr marL="0" indent="0">
+              <a:buNone/>
+            </a:pPr>
+            <a:r>
+              <a:rPr lang="en-US" dirty="0" smtClean="0"/>
+              <a:t>When the player moves from one location to another, items move drastically around the world.</a:t>
+            </a:r>
+          </a:p>
+          <a:p>
+            <a:pPr marL="0" indent="0">
+              <a:buNone/>
+            </a:pPr>
+            <a:endParaRPr lang="en-US" dirty="0"/>
+          </a:p>
+          <a:p>
+            <a:pPr marL="0" indent="0">
+              <a:buNone/>
+            </a:pPr>
+            <a:r>
+              <a:rPr lang="en-US" dirty="0" smtClean="0"/>
+              <a:t>Ten-Thousand transactions are attempted by selecting random cities and products. The transactions that actually take place are most often money making, but not always. This provides a more interesting and variable player experience between towns.</a:t>
+            </a:r>
+          </a:p>
+          <a:p>
+            <a:pPr marL="0" indent="0">
+              <a:buNone/>
+            </a:pPr>
+            <a:endParaRPr lang="en-US" dirty="0"/>
+          </a:p>
+          <a:p>
+            <a:pPr marL="0" indent="0">
+              <a:buNone/>
+            </a:pPr>
+            <a:r>
+              <a:rPr lang="en-US" dirty="0" smtClean="0"/>
+              <a:t>After the simulation, prices are updated. If an item has been bought more than sold, it goes up in price, and vice versa. </a:t>
+            </a:r>
+            <a:endParaRPr lang="en-US" dirty="0"/>
+          </a:p>
+          <a:p>
+            <a:pPr marL="0" indent="0">
+              <a:buNone/>
+            </a:pPr>
+            <a:endParaRPr lang="en-US" dirty="0" smtClean="0"/>
+          </a:p>
+          <a:p>
+            <a:pPr marL="0" indent="0">
+              <a:buNone/>
+            </a:pPr>
+            <a:r>
+              <a:rPr lang="en-US" dirty="0" smtClean="0"/>
+              <a:t>This is calculated using the following metric: (#times bought - #times sold)/total # transactions</a:t>
+            </a:r>
+            <a:endParaRPr lang="en-US" dirty="0"/>
+          </a:p>
+        </p:txBody>
+      </p:sp>
+    </p:spTree>
+    <p:extLst>
+      <p:ext uri="{BB962C8B-B14F-4D97-AF65-F5344CB8AC3E}">
+        <p14:creationId xmlns:p14="http://schemas.microsoft.com/office/powerpoint/2010/main" val="942612722"/>
+      </p:ext>
+    </p:extLst>
+  </p:cSld>
+  <p:clrMapOvr>
+    <a:masterClrMapping/>
+  </p:clrMapOvr>
+</p:sld>
+</file>
+
+<file path=ppt/slides/slide8.xml><?xml version="1.0" encoding="utf-8"?>
+<p:sld xmlns:a="http://schemas.openxmlformats.org/drawingml/2006/main" xmlns:r="http://schemas.openxmlformats.org/officeDocument/2006/relationships" xmlns:p="http://schemas.openxmlformats.org/presentationml/2006/main">
+  <p:cSld>
+    <p:spTree>
+      <p:nvGrpSpPr>
+        <p:cNvPr id="1" name=""/>
+        <p:cNvGrpSpPr/>
+        <p:nvPr/>
+      </p:nvGrpSpPr>
+      <p:grpSpPr>
+        <a:xfrm>
+          <a:off x="0" y="0"/>
+          <a:ext cx="0" cy="0"/>
+          <a:chOff x="0" y="0"/>
+          <a:chExt cx="0" cy="0"/>
+        </a:xfrm>
+      </p:grpSpPr>
+      <p:sp>
+        <p:nvSpPr>
+          <p:cNvPr id="2" name="Title 1"/>
+          <p:cNvSpPr>
+            <a:spLocks noGrp="1"/>
+          </p:cNvSpPr>
+          <p:nvPr>
+            <p:ph type="title"/>
+          </p:nvPr>
+        </p:nvSpPr>
+        <p:spPr/>
+        <p:txBody>
+          <a:bodyPr/>
+          <a:lstStyle/>
+          <a:p>
+            <a:r>
+              <a:rPr lang="en-US" dirty="0" smtClean="0"/>
+              <a:t>Events</a:t>
+            </a:r>
+            <a:endParaRPr lang="en-US" dirty="0"/>
+          </a:p>
+        </p:txBody>
+      </p:sp>
+      <p:sp>
+        <p:nvSpPr>
+          <p:cNvPr id="3" name="Content Placeholder 2"/>
+          <p:cNvSpPr>
+            <a:spLocks noGrp="1"/>
+          </p:cNvSpPr>
+          <p:nvPr>
+            <p:ph idx="1"/>
+          </p:nvPr>
+        </p:nvSpPr>
+        <p:spPr/>
+        <p:txBody>
+          <a:bodyPr/>
+          <a:lstStyle/>
+          <a:p>
+            <a:r>
+              <a:rPr lang="en-US" dirty="0" smtClean="0"/>
+              <a:t>Events are randomly chosen at the beginning of every day</a:t>
+            </a:r>
+          </a:p>
+          <a:p>
+            <a:r>
+              <a:rPr lang="en-US" dirty="0" smtClean="0"/>
+              <a:t>Events:</a:t>
+            </a:r>
+            <a:endParaRPr lang="en-US" dirty="0"/>
+          </a:p>
+          <a:p>
+            <a:pPr lvl="1"/>
+            <a:r>
+              <a:rPr lang="en-US" dirty="0" smtClean="0"/>
+              <a:t>War: The player cannot enter that town for two days</a:t>
+            </a:r>
+          </a:p>
+          <a:p>
+            <a:pPr lvl="2"/>
+            <a:r>
+              <a:rPr lang="en-US" dirty="0" smtClean="0"/>
+              <a:t>If a town has a war, that town is not an option in the drop down menu for travel</a:t>
+            </a:r>
+          </a:p>
+          <a:p>
+            <a:pPr lvl="1"/>
+            <a:r>
+              <a:rPr lang="en-US" dirty="0" smtClean="0"/>
+              <a:t>Famine: The current town’s supply of groceries are changed to 0 </a:t>
+            </a:r>
+          </a:p>
+          <a:p>
+            <a:pPr lvl="1"/>
+            <a:r>
+              <a:rPr lang="en-US" dirty="0" smtClean="0"/>
+              <a:t>Birds Attack: The current town’s supplies of pearls, perfume, and silk are set to 0</a:t>
+            </a:r>
+          </a:p>
+          <a:p>
+            <a:pPr lvl="1"/>
+            <a:r>
+              <a:rPr lang="en-US" dirty="0" smtClean="0"/>
+              <a:t>Raid: The current town’s supplies of swords, armor, and tools are set to 0</a:t>
+            </a:r>
+          </a:p>
+          <a:p>
+            <a:pPr lvl="1"/>
+            <a:endParaRPr lang="en-US" dirty="0"/>
+          </a:p>
+          <a:p>
+            <a:pPr lvl="1"/>
+            <a:r>
+              <a:rPr lang="en-US" dirty="0" smtClean="0"/>
+              <a:t>When Famine, Birds </a:t>
+            </a:r>
+            <a:r>
+              <a:rPr lang="en-US" dirty="0"/>
+              <a:t>A</a:t>
+            </a:r>
+            <a:r>
+              <a:rPr lang="en-US" dirty="0" smtClean="0"/>
+              <a:t>ttack, or Raid occurs, the supplies that are set to 0 are not listed as options to buy from that town</a:t>
+            </a:r>
+          </a:p>
+          <a:p>
+            <a:pPr marL="0" indent="0">
+              <a:buNone/>
+            </a:pPr>
+            <a:endParaRPr lang="en-US" dirty="0" smtClean="0"/>
+          </a:p>
+          <a:p>
+            <a:pPr marL="0" indent="0">
+              <a:buNone/>
+            </a:pPr>
+            <a:endParaRPr lang="en-US" dirty="0" smtClean="0"/>
+          </a:p>
+        </p:txBody>
+      </p:sp>
+    </p:spTree>
+    <p:extLst>
+      <p:ext uri="{BB962C8B-B14F-4D97-AF65-F5344CB8AC3E}">
+        <p14:creationId xmlns:p14="http://schemas.microsoft.com/office/powerpoint/2010/main" val="3317792244"/>
+      </p:ext>
+    </p:extLst>
+  </p:cSld>
+  <p:clrMapOvr>
+    <a:masterClrMapping/>
+  </p:clrMapOvr>
+</p:sld>
+</file>
+
+<file path=ppt/slides/slide9.xml><?xml version="1.0" encoding="utf-8"?>
+<p:sld xmlns:a="http://schemas.openxmlformats.org/drawingml/2006/main" xmlns:r="http://schemas.openxmlformats.org/officeDocument/2006/relationships" xmlns:p="http://schemas.openxmlformats.org/presentationml/2006/main">
+  <p:cSld>
+    <p:spTree>
+      <p:nvGrpSpPr>
+        <p:cNvPr id="1" name=""/>
+        <p:cNvGrpSpPr/>
+        <p:nvPr/>
+      </p:nvGrpSpPr>
+      <p:grpSpPr>
+        <a:xfrm>
+          <a:off x="0" y="0"/>
+          <a:ext cx="0" cy="0"/>
+          <a:chOff x="0" y="0"/>
+          <a:chExt cx="0" cy="0"/>
+        </a:xfrm>
+      </p:grpSpPr>
+      <p:sp>
+        <p:nvSpPr>
+          <p:cNvPr id="2" name="Title 1"/>
+          <p:cNvSpPr>
+            <a:spLocks noGrp="1"/>
+          </p:cNvSpPr>
+          <p:nvPr>
+            <p:ph type="title"/>
+          </p:nvPr>
+        </p:nvSpPr>
+        <p:spPr/>
+        <p:txBody>
+          <a:bodyPr/>
+          <a:lstStyle/>
+          <a:p>
+            <a:r>
+              <a:rPr lang="en-US" dirty="0" smtClean="0"/>
+              <a:t>DEMO:</a:t>
+            </a:r>
+            <a:endParaRPr lang="en-US" dirty="0"/>
+          </a:p>
+        </p:txBody>
+      </p:sp>
+    </p:spTree>
+    <p:extLst>
+      <p:ext uri="{BB962C8B-B14F-4D97-AF65-F5344CB8AC3E}">
+        <p14:creationId xmlns:p14="http://schemas.microsoft.com/office/powerpoint/2010/main" val="482681421"/>
       </p:ext>
     </p:extLst>
   </p:cSld>
